--- a/ppt/혜린.pptx
+++ b/ppt/혜린.pptx
@@ -8119,48 +8119,6 @@
           </a:p>
         </p:txBody>
       </p:sp>
-      <p:sp>
-        <p:nvSpPr>
-          <p:cNvPr id="155" name="TextBox 154"/>
-          <p:cNvSpPr txBox="1"/>
-          <p:nvPr/>
-        </p:nvSpPr>
-        <p:spPr>
-          <a:xfrm>
-            <a:off x="784902" y="5656242"/>
-            <a:ext cx="4801828" cy="430887"/>
-          </a:xfrm>
-          <a:prstGeom prst="rect">
-            <a:avLst/>
-          </a:prstGeom>
-          <a:noFill/>
-        </p:spPr>
-        <p:txBody>
-          <a:bodyPr wrap="square" lIns="0" tIns="0" rIns="0" bIns="0" rtlCol="0">
-            <a:spAutoFit/>
-          </a:bodyPr>
-          <a:lstStyle/>
-          <a:p>
-            <a:r>
-              <a:rPr lang="ko-KR" altLang="en-US" sz="2800" dirty="0">
-                <a:solidFill>
-                  <a:srgbClr val="39226A"/>
-                </a:solidFill>
-                <a:latin typeface="Noto Sans CJK KR Bold" panose="020B0800000000000000" pitchFamily="34" charset="-127"/>
-                <a:ea typeface="Noto Sans CJK KR Bold" panose="020B0800000000000000" pitchFamily="34" charset="-127"/>
-              </a:rPr>
-              <a:t>사업개요</a:t>
-            </a:r>
-            <a:endParaRPr lang="en-US" altLang="ko-KR" sz="2800" dirty="0">
-              <a:solidFill>
-                <a:srgbClr val="39226A"/>
-              </a:solidFill>
-              <a:latin typeface="Noto Sans CJK KR Bold" panose="020B0800000000000000" pitchFamily="34" charset="-127"/>
-              <a:ea typeface="Noto Sans CJK KR Bold" panose="020B0800000000000000" pitchFamily="34" charset="-127"/>
-            </a:endParaRPr>
-          </a:p>
-        </p:txBody>
-      </p:sp>
       <p:grpSp>
         <p:nvGrpSpPr>
           <p:cNvPr id="175" name="그룹 174"/>
@@ -11323,7 +11281,7 @@
         </p:blipFill>
         <p:spPr>
           <a:xfrm>
-            <a:off x="1012030" y="1380778"/>
+            <a:off x="783430" y="1761778"/>
             <a:ext cx="6089809" cy="3328382"/>
           </a:xfrm>
           <a:prstGeom prst="rect">
@@ -11342,8 +11300,8 @@
         </p:nvSpPr>
         <p:spPr>
           <a:xfrm>
-            <a:off x="480102" y="5148152"/>
-            <a:ext cx="6652218" cy="861774"/>
+            <a:off x="548640" y="5437712"/>
+            <a:ext cx="6652218" cy="615553"/>
           </a:xfrm>
           <a:prstGeom prst="rect">
             <a:avLst/>
@@ -11358,9 +11316,9 @@
           <a:p>
             <a:pPr algn="ctr"/>
             <a:r>
-              <a:rPr lang="ko-KR" altLang="en-US" sz="2800" dirty="0" smtClean="0">
+              <a:rPr lang="ko-KR" altLang="en-US" sz="2000" dirty="0" smtClean="0">
                 <a:solidFill>
-                  <a:srgbClr val="E6E6E6"/>
+                  <a:srgbClr val="5A4090"/>
                 </a:solidFill>
                 <a:latin typeface="Noto Sans CJK KR Bold" panose="020B0800000000000000" pitchFamily="34" charset="-127"/>
                 <a:ea typeface="Noto Sans CJK KR Bold" panose="020B0800000000000000" pitchFamily="34" charset="-127"/>
@@ -11368,9 +11326,9 @@
               <a:t>프로젝트관리와 </a:t>
             </a:r>
             <a:r>
-              <a:rPr lang="ko-KR" altLang="en-US" sz="2800" dirty="0" err="1" smtClean="0">
+              <a:rPr lang="ko-KR" altLang="en-US" sz="2000" dirty="0" err="1" smtClean="0">
                 <a:solidFill>
-                  <a:srgbClr val="E6E6E6"/>
+                  <a:srgbClr val="5A4090"/>
                 </a:solidFill>
                 <a:latin typeface="Noto Sans CJK KR Bold" panose="020B0800000000000000" pitchFamily="34" charset="-127"/>
                 <a:ea typeface="Noto Sans CJK KR Bold" panose="020B0800000000000000" pitchFamily="34" charset="-127"/>
@@ -11378,18 +11336,18 @@
               <a:t>크라우드펀딩시스템을</a:t>
             </a:r>
             <a:r>
-              <a:rPr lang="ko-KR" altLang="en-US" sz="2800" dirty="0" smtClean="0">
+              <a:rPr lang="ko-KR" altLang="en-US" sz="2000" dirty="0" smtClean="0">
                 <a:solidFill>
-                  <a:srgbClr val="E6E6E6"/>
+                  <a:srgbClr val="5A4090"/>
                 </a:solidFill>
                 <a:latin typeface="Noto Sans CJK KR Bold" panose="020B0800000000000000" pitchFamily="34" charset="-127"/>
                 <a:ea typeface="Noto Sans CJK KR Bold" panose="020B0800000000000000" pitchFamily="34" charset="-127"/>
               </a:rPr>
               <a:t> </a:t>
             </a:r>
-            <a:endParaRPr lang="en-US" altLang="ko-KR" sz="2800" dirty="0" smtClean="0">
+            <a:endParaRPr lang="en-US" altLang="ko-KR" sz="2000" dirty="0" smtClean="0">
               <a:solidFill>
-                <a:srgbClr val="E6E6E6"/>
+                <a:srgbClr val="5A4090"/>
               </a:solidFill>
               <a:latin typeface="Noto Sans CJK KR Bold" panose="020B0800000000000000" pitchFamily="34" charset="-127"/>
               <a:ea typeface="Noto Sans CJK KR Bold" panose="020B0800000000000000" pitchFamily="34" charset="-127"/>
@@ -11398,18 +11356,18 @@
           <a:p>
             <a:pPr algn="ctr"/>
             <a:r>
-              <a:rPr lang="ko-KR" altLang="en-US" sz="2800" dirty="0" smtClean="0">
+              <a:rPr lang="ko-KR" altLang="en-US" sz="2000" dirty="0" smtClean="0">
                 <a:solidFill>
-                  <a:srgbClr val="E6E6E6"/>
+                  <a:srgbClr val="5A4090"/>
                 </a:solidFill>
                 <a:latin typeface="Noto Sans CJK KR Bold" panose="020B0800000000000000" pitchFamily="34" charset="-127"/>
                 <a:ea typeface="Noto Sans CJK KR Bold" panose="020B0800000000000000" pitchFamily="34" charset="-127"/>
               </a:rPr>
               <a:t>합친 어플리케이션 서비스</a:t>
             </a:r>
-            <a:endParaRPr lang="en-US" altLang="ko-KR" sz="2800" dirty="0">
+            <a:endParaRPr lang="en-US" altLang="ko-KR" sz="2000" dirty="0">
               <a:solidFill>
-                <a:srgbClr val="E6E6E6"/>
+                <a:srgbClr val="5A4090"/>
               </a:solidFill>
               <a:latin typeface="Noto Sans CJK KR Bold" panose="020B0800000000000000" pitchFamily="34" charset="-127"/>
               <a:ea typeface="Noto Sans CJK KR Bold" panose="020B0800000000000000" pitchFamily="34" charset="-127"/>
